--- a/APAN53_RSE_Asia.pptx
+++ b/APAN53_RSE_Asia.pptx
@@ -822,7 +822,7 @@
   <p:cSld>
     <p:spTree>
       <p:nvGrpSpPr>
-        <p:cNvPr id="154" name="Shape 154"/>
+        <p:cNvPr id="155" name="Shape 155"/>
         <p:cNvGrpSpPr/>
         <p:nvPr/>
       </p:nvGrpSpPr>
@@ -836,7 +836,7 @@
       </p:grpSpPr>
       <p:sp>
         <p:nvSpPr>
-          <p:cNvPr id="155" name="Google Shape;155;g119a10198d5_0_156:notes"/>
+          <p:cNvPr id="156" name="Google Shape;156;g119a10198d5_0_156:notes"/>
           <p:cNvSpPr/>
           <p:nvPr>
             <p:ph idx="2" type="sldImg"/>
@@ -871,7 +871,7 @@
       </p:sp>
       <p:sp>
         <p:nvSpPr>
-          <p:cNvPr id="156" name="Google Shape;156;g119a10198d5_0_156:notes"/>
+          <p:cNvPr id="157" name="Google Shape;157;g119a10198d5_0_156:notes"/>
           <p:cNvSpPr txBox="1"/>
           <p:nvPr>
             <p:ph idx="1" type="body"/>
@@ -921,7 +921,7 @@
   <p:cSld>
     <p:spTree>
       <p:nvGrpSpPr>
-        <p:cNvPr id="61" name="Shape 61"/>
+        <p:cNvPr id="62" name="Shape 62"/>
         <p:cNvGrpSpPr/>
         <p:nvPr/>
       </p:nvGrpSpPr>
@@ -935,7 +935,7 @@
       </p:grpSpPr>
       <p:sp>
         <p:nvSpPr>
-          <p:cNvPr id="62" name="Google Shape;62;g119a10198d5_0_53:notes"/>
+          <p:cNvPr id="63" name="Google Shape;63;g119a10198d5_0_53:notes"/>
           <p:cNvSpPr/>
           <p:nvPr>
             <p:ph idx="2" type="sldImg"/>
@@ -970,7 +970,7 @@
       </p:sp>
       <p:sp>
         <p:nvSpPr>
-          <p:cNvPr id="63" name="Google Shape;63;g119a10198d5_0_53:notes"/>
+          <p:cNvPr id="64" name="Google Shape;64;g119a10198d5_0_53:notes"/>
           <p:cNvSpPr txBox="1"/>
           <p:nvPr>
             <p:ph idx="1" type="body"/>
@@ -1020,7 +1020,7 @@
   <p:cSld>
     <p:spTree>
       <p:nvGrpSpPr>
-        <p:cNvPr id="79" name="Shape 79"/>
+        <p:cNvPr id="80" name="Shape 80"/>
         <p:cNvGrpSpPr/>
         <p:nvPr/>
       </p:nvGrpSpPr>
@@ -1034,7 +1034,7 @@
       </p:grpSpPr>
       <p:sp>
         <p:nvSpPr>
-          <p:cNvPr id="80" name="Google Shape;80;g119a10198d5_0_116:notes"/>
+          <p:cNvPr id="81" name="Google Shape;81;g119a10198d5_0_116:notes"/>
           <p:cNvSpPr/>
           <p:nvPr>
             <p:ph idx="2" type="sldImg"/>
@@ -1069,7 +1069,7 @@
       </p:sp>
       <p:sp>
         <p:nvSpPr>
-          <p:cNvPr id="81" name="Google Shape;81;g119a10198d5_0_116:notes"/>
+          <p:cNvPr id="82" name="Google Shape;82;g119a10198d5_0_116:notes"/>
           <p:cNvSpPr txBox="1"/>
           <p:nvPr>
             <p:ph idx="1" type="body"/>
@@ -1119,7 +1119,7 @@
   <p:cSld>
     <p:spTree>
       <p:nvGrpSpPr>
-        <p:cNvPr id="91" name="Shape 91"/>
+        <p:cNvPr id="92" name="Shape 92"/>
         <p:cNvGrpSpPr/>
         <p:nvPr/>
       </p:nvGrpSpPr>
@@ -1133,7 +1133,7 @@
       </p:grpSpPr>
       <p:sp>
         <p:nvSpPr>
-          <p:cNvPr id="92" name="Google Shape;92;g119a10198d5_0_186:notes"/>
+          <p:cNvPr id="93" name="Google Shape;93;g119a10198d5_0_186:notes"/>
           <p:cNvSpPr/>
           <p:nvPr>
             <p:ph idx="2" type="sldImg"/>
@@ -1168,7 +1168,7 @@
       </p:sp>
       <p:sp>
         <p:nvSpPr>
-          <p:cNvPr id="93" name="Google Shape;93;g119a10198d5_0_186:notes"/>
+          <p:cNvPr id="94" name="Google Shape;94;g119a10198d5_0_186:notes"/>
           <p:cNvSpPr txBox="1"/>
           <p:nvPr>
             <p:ph idx="1" type="body"/>
@@ -1218,7 +1218,7 @@
   <p:cSld>
     <p:spTree>
       <p:nvGrpSpPr>
-        <p:cNvPr id="102" name="Shape 102"/>
+        <p:cNvPr id="103" name="Shape 103"/>
         <p:cNvGrpSpPr/>
         <p:nvPr/>
       </p:nvGrpSpPr>
@@ -1232,7 +1232,7 @@
       </p:grpSpPr>
       <p:sp>
         <p:nvSpPr>
-          <p:cNvPr id="103" name="Google Shape;103;g119a10198d5_0_121:notes"/>
+          <p:cNvPr id="104" name="Google Shape;104;g119a10198d5_0_121:notes"/>
           <p:cNvSpPr/>
           <p:nvPr>
             <p:ph idx="2" type="sldImg"/>
@@ -1267,7 +1267,7 @@
       </p:sp>
       <p:sp>
         <p:nvSpPr>
-          <p:cNvPr id="104" name="Google Shape;104;g119a10198d5_0_121:notes"/>
+          <p:cNvPr id="105" name="Google Shape;105;g119a10198d5_0_121:notes"/>
           <p:cNvSpPr txBox="1"/>
           <p:nvPr>
             <p:ph idx="1" type="body"/>
@@ -1317,7 +1317,7 @@
   <p:cSld>
     <p:spTree>
       <p:nvGrpSpPr>
-        <p:cNvPr id="111" name="Shape 111"/>
+        <p:cNvPr id="112" name="Shape 112"/>
         <p:cNvGrpSpPr/>
         <p:nvPr/>
       </p:nvGrpSpPr>
@@ -1331,7 +1331,7 @@
       </p:grpSpPr>
       <p:sp>
         <p:nvSpPr>
-          <p:cNvPr id="112" name="Google Shape;112;g119a10198d5_0_126:notes"/>
+          <p:cNvPr id="113" name="Google Shape;113;g119a10198d5_0_126:notes"/>
           <p:cNvSpPr/>
           <p:nvPr>
             <p:ph idx="2" type="sldImg"/>
@@ -1366,7 +1366,7 @@
       </p:sp>
       <p:sp>
         <p:nvSpPr>
-          <p:cNvPr id="113" name="Google Shape;113;g119a10198d5_0_126:notes"/>
+          <p:cNvPr id="114" name="Google Shape;114;g119a10198d5_0_126:notes"/>
           <p:cNvSpPr txBox="1"/>
           <p:nvPr>
             <p:ph idx="1" type="body"/>
@@ -1416,7 +1416,7 @@
   <p:cSld>
     <p:spTree>
       <p:nvGrpSpPr>
-        <p:cNvPr id="122" name="Shape 122"/>
+        <p:cNvPr id="123" name="Shape 123"/>
         <p:cNvGrpSpPr/>
         <p:nvPr/>
       </p:nvGrpSpPr>
@@ -1430,7 +1430,7 @@
       </p:grpSpPr>
       <p:sp>
         <p:nvSpPr>
-          <p:cNvPr id="123" name="Google Shape;123;g119a10198d5_0_151:notes"/>
+          <p:cNvPr id="124" name="Google Shape;124;g119a10198d5_0_151:notes"/>
           <p:cNvSpPr/>
           <p:nvPr>
             <p:ph idx="2" type="sldImg"/>
@@ -1465,7 +1465,7 @@
       </p:sp>
       <p:sp>
         <p:nvSpPr>
-          <p:cNvPr id="124" name="Google Shape;124;g119a10198d5_0_151:notes"/>
+          <p:cNvPr id="125" name="Google Shape;125;g119a10198d5_0_151:notes"/>
           <p:cNvSpPr txBox="1"/>
           <p:nvPr>
             <p:ph idx="1" type="body"/>
@@ -1515,7 +1515,7 @@
   <p:cSld>
     <p:spTree>
       <p:nvGrpSpPr>
-        <p:cNvPr id="134" name="Shape 134"/>
+        <p:cNvPr id="135" name="Shape 135"/>
         <p:cNvGrpSpPr/>
         <p:nvPr/>
       </p:nvGrpSpPr>
@@ -1529,7 +1529,7 @@
       </p:grpSpPr>
       <p:sp>
         <p:nvSpPr>
-          <p:cNvPr id="135" name="Google Shape;135;g119a10198d5_0_146:notes"/>
+          <p:cNvPr id="136" name="Google Shape;136;g119a10198d5_0_146:notes"/>
           <p:cNvSpPr/>
           <p:nvPr>
             <p:ph idx="2" type="sldImg"/>
@@ -1564,7 +1564,7 @@
       </p:sp>
       <p:sp>
         <p:nvSpPr>
-          <p:cNvPr id="136" name="Google Shape;136;g119a10198d5_0_146:notes"/>
+          <p:cNvPr id="137" name="Google Shape;137;g119a10198d5_0_146:notes"/>
           <p:cNvSpPr txBox="1"/>
           <p:nvPr>
             <p:ph idx="1" type="body"/>
@@ -1614,7 +1614,7 @@
   <p:cSld>
     <p:spTree>
       <p:nvGrpSpPr>
-        <p:cNvPr id="144" name="Shape 144"/>
+        <p:cNvPr id="145" name="Shape 145"/>
         <p:cNvGrpSpPr/>
         <p:nvPr/>
       </p:nvGrpSpPr>
@@ -1628,7 +1628,7 @@
       </p:grpSpPr>
       <p:sp>
         <p:nvSpPr>
-          <p:cNvPr id="145" name="Google Shape;145;g119a10198d5_0_131:notes"/>
+          <p:cNvPr id="146" name="Google Shape;146;g119a10198d5_0_131:notes"/>
           <p:cNvSpPr/>
           <p:nvPr>
             <p:ph idx="2" type="sldImg"/>
@@ -1663,7 +1663,7 @@
       </p:sp>
       <p:sp>
         <p:nvSpPr>
-          <p:cNvPr id="146" name="Google Shape;146;g119a10198d5_0_131:notes"/>
+          <p:cNvPr id="147" name="Google Shape;147;g119a10198d5_0_131:notes"/>
           <p:cNvSpPr txBox="1"/>
           <p:nvPr>
             <p:ph idx="1" type="body"/>
@@ -6652,7 +6652,7 @@
         </p:blipFill>
         <p:spPr>
           <a:xfrm>
-            <a:off x="4784554" y="925912"/>
+            <a:off x="4784554" y="884362"/>
             <a:ext cx="4359444" cy="3486700"/>
           </a:xfrm>
           <a:prstGeom prst="rect">
@@ -6672,7 +6672,7 @@
         </p:nvSpPr>
         <p:spPr>
           <a:xfrm>
-            <a:off x="5816575" y="4611175"/>
+            <a:off x="5655850" y="4483350"/>
             <a:ext cx="3000000" cy="292500"/>
           </a:xfrm>
           <a:prstGeom prst="rect">
@@ -6781,6 +6781,34 @@
           </a:p>
         </p:txBody>
       </p:sp>
+      <p:pic>
+        <p:nvPicPr>
+          <p:cNvPr id="61" name="Google Shape;61;p13"/>
+          <p:cNvPicPr preferRelativeResize="0"/>
+          <p:nvPr/>
+        </p:nvPicPr>
+        <p:blipFill>
+          <a:blip r:embed="rId9">
+            <a:alphaModFix/>
+          </a:blip>
+          <a:stretch>
+            <a:fillRect/>
+          </a:stretch>
+        </p:blipFill>
+        <p:spPr>
+          <a:xfrm>
+            <a:off x="4170050" y="4793963"/>
+            <a:ext cx="2199450" cy="236500"/>
+          </a:xfrm>
+          <a:prstGeom prst="rect">
+            <a:avLst/>
+          </a:prstGeom>
+          <a:noFill/>
+          <a:ln>
+            <a:noFill/>
+          </a:ln>
+        </p:spPr>
+      </p:pic>
     </p:spTree>
   </p:cSld>
   <p:clrMapOvr>
@@ -6801,7 +6829,7 @@
     </p:bg>
     <p:spTree>
       <p:nvGrpSpPr>
-        <p:cNvPr id="157" name="Shape 157"/>
+        <p:cNvPr id="158" name="Shape 158"/>
         <p:cNvGrpSpPr/>
         <p:nvPr/>
       </p:nvGrpSpPr>
@@ -6815,7 +6843,7 @@
       </p:grpSpPr>
       <p:pic>
         <p:nvPicPr>
-          <p:cNvPr id="158" name="Google Shape;158;p22"/>
+          <p:cNvPr id="159" name="Google Shape;159;p22"/>
           <p:cNvPicPr preferRelativeResize="0"/>
           <p:nvPr/>
         </p:nvPicPr>
@@ -6850,7 +6878,7 @@
       </p:pic>
       <p:sp>
         <p:nvSpPr>
-          <p:cNvPr id="159" name="Google Shape;159;p22"/>
+          <p:cNvPr id="160" name="Google Shape;160;p22"/>
           <p:cNvSpPr txBox="1"/>
           <p:nvPr/>
         </p:nvSpPr>
@@ -6902,7 +6930,7 @@
       </p:sp>
       <p:pic>
         <p:nvPicPr>
-          <p:cNvPr id="160" name="Google Shape;160;p22"/>
+          <p:cNvPr id="161" name="Google Shape;161;p22"/>
           <p:cNvPicPr preferRelativeResize="0"/>
           <p:nvPr/>
         </p:nvPicPr>
@@ -6930,7 +6958,7 @@
       </p:pic>
       <p:sp>
         <p:nvSpPr>
-          <p:cNvPr id="161" name="Google Shape;161;p22"/>
+          <p:cNvPr id="162" name="Google Shape;162;p22"/>
           <p:cNvSpPr txBox="1"/>
           <p:nvPr/>
         </p:nvSpPr>
@@ -6993,7 +7021,7 @@
       </p:sp>
       <p:pic>
         <p:nvPicPr>
-          <p:cNvPr id="162" name="Google Shape;162;p22"/>
+          <p:cNvPr id="163" name="Google Shape;163;p22"/>
           <p:cNvPicPr preferRelativeResize="0"/>
           <p:nvPr/>
         </p:nvPicPr>
@@ -7021,7 +7049,7 @@
       </p:pic>
       <p:sp>
         <p:nvSpPr>
-          <p:cNvPr id="163" name="Google Shape;163;p22"/>
+          <p:cNvPr id="164" name="Google Shape;164;p22"/>
           <p:cNvSpPr txBox="1"/>
           <p:nvPr/>
         </p:nvSpPr>
@@ -7063,7 +7091,7 @@
       </p:sp>
       <p:sp>
         <p:nvSpPr>
-          <p:cNvPr id="164" name="Google Shape;164;p22"/>
+          <p:cNvPr id="165" name="Google Shape;165;p22"/>
           <p:cNvSpPr txBox="1"/>
           <p:nvPr/>
         </p:nvSpPr>
@@ -7136,7 +7164,7 @@
     </p:bg>
     <p:spTree>
       <p:nvGrpSpPr>
-        <p:cNvPr id="64" name="Shape 64"/>
+        <p:cNvPr id="65" name="Shape 65"/>
         <p:cNvGrpSpPr/>
         <p:nvPr/>
       </p:nvGrpSpPr>
@@ -7150,7 +7178,7 @@
       </p:grpSpPr>
       <p:sp>
         <p:nvSpPr>
-          <p:cNvPr id="65" name="Google Shape;65;p14"/>
+          <p:cNvPr id="66" name="Google Shape;66;p14"/>
           <p:cNvSpPr txBox="1"/>
           <p:nvPr/>
         </p:nvSpPr>
@@ -7198,7 +7226,7 @@
       </p:sp>
       <p:pic>
         <p:nvPicPr>
-          <p:cNvPr id="66" name="Google Shape;66;p14"/>
+          <p:cNvPr id="67" name="Google Shape;67;p14"/>
           <p:cNvPicPr preferRelativeResize="0"/>
           <p:nvPr/>
         </p:nvPicPr>
@@ -7226,7 +7254,7 @@
       </p:pic>
       <p:sp>
         <p:nvSpPr>
-          <p:cNvPr id="67" name="Google Shape;67;p14"/>
+          <p:cNvPr id="68" name="Google Shape;68;p14"/>
           <p:cNvSpPr txBox="1"/>
           <p:nvPr/>
         </p:nvSpPr>
@@ -7276,7 +7304,7 @@
       </p:sp>
       <p:pic>
         <p:nvPicPr>
-          <p:cNvPr id="68" name="Google Shape;68;p14"/>
+          <p:cNvPr id="69" name="Google Shape;69;p14"/>
           <p:cNvPicPr preferRelativeResize="0"/>
           <p:nvPr/>
         </p:nvPicPr>
@@ -7304,7 +7332,7 @@
       </p:pic>
       <p:sp>
         <p:nvSpPr>
-          <p:cNvPr id="69" name="Google Shape;69;p14"/>
+          <p:cNvPr id="70" name="Google Shape;70;p14"/>
           <p:cNvSpPr txBox="1"/>
           <p:nvPr/>
         </p:nvSpPr>
@@ -7354,7 +7382,7 @@
       </p:sp>
       <p:sp>
         <p:nvSpPr>
-          <p:cNvPr id="70" name="Google Shape;70;p14"/>
+          <p:cNvPr id="71" name="Google Shape;71;p14"/>
           <p:cNvSpPr txBox="1"/>
           <p:nvPr/>
         </p:nvSpPr>
@@ -7430,7 +7458,7 @@
       </p:sp>
       <p:pic>
         <p:nvPicPr>
-          <p:cNvPr id="71" name="Google Shape;71;p14"/>
+          <p:cNvPr id="72" name="Google Shape;72;p14"/>
           <p:cNvPicPr preferRelativeResize="0"/>
           <p:nvPr/>
         </p:nvPicPr>
@@ -7458,7 +7486,7 @@
       </p:pic>
       <p:sp>
         <p:nvSpPr>
-          <p:cNvPr id="72" name="Google Shape;72;p14"/>
+          <p:cNvPr id="73" name="Google Shape;73;p14"/>
           <p:cNvSpPr txBox="1"/>
           <p:nvPr/>
         </p:nvSpPr>
@@ -7508,7 +7536,7 @@
       </p:sp>
       <p:pic>
         <p:nvPicPr>
-          <p:cNvPr id="73" name="Google Shape;73;p14"/>
+          <p:cNvPr id="74" name="Google Shape;74;p14"/>
           <p:cNvPicPr preferRelativeResize="0"/>
           <p:nvPr/>
         </p:nvPicPr>
@@ -7536,7 +7564,7 @@
       </p:pic>
       <p:sp>
         <p:nvSpPr>
-          <p:cNvPr id="74" name="Google Shape;74;p14"/>
+          <p:cNvPr id="75" name="Google Shape;75;p14"/>
           <p:cNvSpPr txBox="1"/>
           <p:nvPr/>
         </p:nvSpPr>
@@ -7586,7 +7614,7 @@
       </p:sp>
       <p:pic>
         <p:nvPicPr>
-          <p:cNvPr id="75" name="Google Shape;75;p14"/>
+          <p:cNvPr id="76" name="Google Shape;76;p14"/>
           <p:cNvPicPr preferRelativeResize="0"/>
           <p:nvPr/>
         </p:nvPicPr>
@@ -7621,7 +7649,7 @@
       </p:pic>
       <p:sp>
         <p:nvSpPr>
-          <p:cNvPr id="76" name="Google Shape;76;p14"/>
+          <p:cNvPr id="77" name="Google Shape;77;p14"/>
           <p:cNvSpPr txBox="1"/>
           <p:nvPr/>
         </p:nvSpPr>
@@ -7662,7 +7690,7 @@
       </p:sp>
       <p:pic>
         <p:nvPicPr>
-          <p:cNvPr id="77" name="Google Shape;77;p14"/>
+          <p:cNvPr id="78" name="Google Shape;78;p14"/>
           <p:cNvPicPr preferRelativeResize="0"/>
           <p:nvPr/>
         </p:nvPicPr>
@@ -7690,7 +7718,7 @@
       </p:pic>
       <p:pic>
         <p:nvPicPr>
-          <p:cNvPr id="78" name="Google Shape;78;p14"/>
+          <p:cNvPr id="79" name="Google Shape;79;p14"/>
           <p:cNvPicPr preferRelativeResize="0"/>
           <p:nvPr/>
         </p:nvPicPr>
@@ -7736,7 +7764,7 @@
     </p:bg>
     <p:spTree>
       <p:nvGrpSpPr>
-        <p:cNvPr id="82" name="Shape 82"/>
+        <p:cNvPr id="83" name="Shape 83"/>
         <p:cNvGrpSpPr/>
         <p:nvPr/>
       </p:nvGrpSpPr>
@@ -7750,7 +7778,7 @@
       </p:grpSpPr>
       <p:sp>
         <p:nvSpPr>
-          <p:cNvPr id="83" name="Google Shape;83;p15"/>
+          <p:cNvPr id="84" name="Google Shape;84;p15"/>
           <p:cNvSpPr txBox="1"/>
           <p:nvPr>
             <p:ph idx="1" type="body"/>
@@ -7815,7 +7843,7 @@
       </p:sp>
       <p:pic>
         <p:nvPicPr>
-          <p:cNvPr id="84" name="Google Shape;84;p15"/>
+          <p:cNvPr id="85" name="Google Shape;85;p15"/>
           <p:cNvPicPr preferRelativeResize="0"/>
           <p:nvPr/>
         </p:nvPicPr>
@@ -7850,7 +7878,7 @@
       </p:pic>
       <p:sp>
         <p:nvSpPr>
-          <p:cNvPr id="85" name="Google Shape;85;p15"/>
+          <p:cNvPr id="86" name="Google Shape;86;p15"/>
           <p:cNvSpPr txBox="1"/>
           <p:nvPr/>
         </p:nvSpPr>
@@ -7902,7 +7930,7 @@
       </p:sp>
       <p:pic>
         <p:nvPicPr>
-          <p:cNvPr id="86" name="Google Shape;86;p15"/>
+          <p:cNvPr id="87" name="Google Shape;87;p15"/>
           <p:cNvPicPr preferRelativeResize="0"/>
           <p:nvPr/>
         </p:nvPicPr>
@@ -7930,7 +7958,7 @@
       </p:pic>
       <p:sp>
         <p:nvSpPr>
-          <p:cNvPr id="87" name="Google Shape;87;p15"/>
+          <p:cNvPr id="88" name="Google Shape;88;p15"/>
           <p:cNvSpPr txBox="1"/>
           <p:nvPr/>
         </p:nvSpPr>
@@ -7981,7 +8009,7 @@
       </p:sp>
       <p:sp>
         <p:nvSpPr>
-          <p:cNvPr id="88" name="Google Shape;88;p15"/>
+          <p:cNvPr id="89" name="Google Shape;89;p15"/>
           <p:cNvSpPr txBox="1"/>
           <p:nvPr/>
         </p:nvSpPr>
@@ -8051,7 +8079,7 @@
       </p:sp>
       <p:sp>
         <p:nvSpPr>
-          <p:cNvPr id="89" name="Google Shape;89;p15"/>
+          <p:cNvPr id="90" name="Google Shape;90;p15"/>
           <p:cNvSpPr/>
           <p:nvPr/>
         </p:nvSpPr>
@@ -8102,7 +8130,7 @@
       </p:sp>
       <p:sp>
         <p:nvSpPr>
-          <p:cNvPr id="90" name="Google Shape;90;p15"/>
+          <p:cNvPr id="91" name="Google Shape;91;p15"/>
           <p:cNvSpPr txBox="1"/>
           <p:nvPr/>
         </p:nvSpPr>
@@ -8184,7 +8212,7 @@
     </p:bg>
     <p:spTree>
       <p:nvGrpSpPr>
-        <p:cNvPr id="94" name="Shape 94"/>
+        <p:cNvPr id="95" name="Shape 95"/>
         <p:cNvGrpSpPr/>
         <p:nvPr/>
       </p:nvGrpSpPr>
@@ -8198,7 +8226,7 @@
       </p:grpSpPr>
       <p:sp>
         <p:nvSpPr>
-          <p:cNvPr id="95" name="Google Shape;95;p16"/>
+          <p:cNvPr id="96" name="Google Shape;96;p16"/>
           <p:cNvSpPr txBox="1"/>
           <p:nvPr>
             <p:ph idx="1" type="body"/>
@@ -8300,7 +8328,7 @@
       </p:sp>
       <p:pic>
         <p:nvPicPr>
-          <p:cNvPr id="96" name="Google Shape;96;p16"/>
+          <p:cNvPr id="97" name="Google Shape;97;p16"/>
           <p:cNvPicPr preferRelativeResize="0"/>
           <p:nvPr/>
         </p:nvPicPr>
@@ -8335,7 +8363,7 @@
       </p:pic>
       <p:sp>
         <p:nvSpPr>
-          <p:cNvPr id="97" name="Google Shape;97;p16"/>
+          <p:cNvPr id="98" name="Google Shape;98;p16"/>
           <p:cNvSpPr txBox="1"/>
           <p:nvPr/>
         </p:nvSpPr>
@@ -8390,7 +8418,7 @@
       </p:sp>
       <p:pic>
         <p:nvPicPr>
-          <p:cNvPr id="98" name="Google Shape;98;p16"/>
+          <p:cNvPr id="99" name="Google Shape;99;p16"/>
           <p:cNvPicPr preferRelativeResize="0"/>
           <p:nvPr/>
         </p:nvPicPr>
@@ -8418,7 +8446,7 @@
       </p:pic>
       <p:sp>
         <p:nvSpPr>
-          <p:cNvPr id="99" name="Google Shape;99;p16"/>
+          <p:cNvPr id="100" name="Google Shape;100;p16"/>
           <p:cNvSpPr txBox="1"/>
           <p:nvPr/>
         </p:nvSpPr>
@@ -8487,7 +8515,7 @@
       </p:sp>
       <p:sp>
         <p:nvSpPr>
-          <p:cNvPr id="100" name="Google Shape;100;p16"/>
+          <p:cNvPr id="101" name="Google Shape;101;p16"/>
           <p:cNvSpPr/>
           <p:nvPr/>
         </p:nvSpPr>
@@ -8550,7 +8578,7 @@
       </p:sp>
       <p:sp>
         <p:nvSpPr>
-          <p:cNvPr id="101" name="Google Shape;101;p16"/>
+          <p:cNvPr id="102" name="Google Shape;102;p16"/>
           <p:cNvSpPr txBox="1"/>
           <p:nvPr/>
         </p:nvSpPr>
@@ -8664,7 +8692,7 @@
     </p:bg>
     <p:spTree>
       <p:nvGrpSpPr>
-        <p:cNvPr id="105" name="Shape 105"/>
+        <p:cNvPr id="106" name="Shape 106"/>
         <p:cNvGrpSpPr/>
         <p:nvPr/>
       </p:nvGrpSpPr>
@@ -8678,7 +8706,7 @@
       </p:grpSpPr>
       <p:sp>
         <p:nvSpPr>
-          <p:cNvPr id="106" name="Google Shape;106;p17"/>
+          <p:cNvPr id="107" name="Google Shape;107;p17"/>
           <p:cNvSpPr txBox="1"/>
           <p:nvPr>
             <p:ph idx="1" type="body"/>
@@ -8786,7 +8814,7 @@
       </p:sp>
       <p:pic>
         <p:nvPicPr>
-          <p:cNvPr id="107" name="Google Shape;107;p17"/>
+          <p:cNvPr id="108" name="Google Shape;108;p17"/>
           <p:cNvPicPr preferRelativeResize="0"/>
           <p:nvPr/>
         </p:nvPicPr>
@@ -8821,7 +8849,7 @@
       </p:pic>
       <p:sp>
         <p:nvSpPr>
-          <p:cNvPr id="108" name="Google Shape;108;p17"/>
+          <p:cNvPr id="109" name="Google Shape;109;p17"/>
           <p:cNvSpPr txBox="1"/>
           <p:nvPr/>
         </p:nvSpPr>
@@ -8873,7 +8901,7 @@
       </p:sp>
       <p:pic>
         <p:nvPicPr>
-          <p:cNvPr id="109" name="Google Shape;109;p17"/>
+          <p:cNvPr id="110" name="Google Shape;110;p17"/>
           <p:cNvPicPr preferRelativeResize="0"/>
           <p:nvPr/>
         </p:nvPicPr>
@@ -8901,7 +8929,7 @@
       </p:pic>
       <p:sp>
         <p:nvSpPr>
-          <p:cNvPr id="110" name="Google Shape;110;p17"/>
+          <p:cNvPr id="111" name="Google Shape;111;p17"/>
           <p:cNvSpPr txBox="1"/>
           <p:nvPr/>
         </p:nvSpPr>
@@ -8988,7 +9016,7 @@
     </p:bg>
     <p:spTree>
       <p:nvGrpSpPr>
-        <p:cNvPr id="114" name="Shape 114"/>
+        <p:cNvPr id="115" name="Shape 115"/>
         <p:cNvGrpSpPr/>
         <p:nvPr/>
       </p:nvGrpSpPr>
@@ -9002,7 +9030,7 @@
       </p:grpSpPr>
       <p:sp>
         <p:nvSpPr>
-          <p:cNvPr id="115" name="Google Shape;115;p18"/>
+          <p:cNvPr id="116" name="Google Shape;116;p18"/>
           <p:cNvSpPr txBox="1"/>
           <p:nvPr>
             <p:ph idx="1" type="body"/>
@@ -9228,7 +9256,7 @@
       </p:sp>
       <p:pic>
         <p:nvPicPr>
-          <p:cNvPr id="116" name="Google Shape;116;p18"/>
+          <p:cNvPr id="117" name="Google Shape;117;p18"/>
           <p:cNvPicPr preferRelativeResize="0"/>
           <p:nvPr/>
         </p:nvPicPr>
@@ -9263,7 +9291,7 @@
       </p:pic>
       <p:sp>
         <p:nvSpPr>
-          <p:cNvPr id="117" name="Google Shape;117;p18"/>
+          <p:cNvPr id="118" name="Google Shape;118;p18"/>
           <p:cNvSpPr txBox="1"/>
           <p:nvPr/>
         </p:nvSpPr>
@@ -9315,7 +9343,7 @@
       </p:sp>
       <p:pic>
         <p:nvPicPr>
-          <p:cNvPr id="118" name="Google Shape;118;p18"/>
+          <p:cNvPr id="119" name="Google Shape;119;p18"/>
           <p:cNvPicPr preferRelativeResize="0"/>
           <p:nvPr/>
         </p:nvPicPr>
@@ -9343,7 +9371,7 @@
       </p:pic>
       <p:sp>
         <p:nvSpPr>
-          <p:cNvPr id="119" name="Google Shape;119;p18"/>
+          <p:cNvPr id="120" name="Google Shape;120;p18"/>
           <p:cNvSpPr txBox="1"/>
           <p:nvPr/>
         </p:nvSpPr>
@@ -9394,7 +9422,7 @@
       </p:sp>
       <p:pic>
         <p:nvPicPr>
-          <p:cNvPr id="120" name="Google Shape;120;p18"/>
+          <p:cNvPr id="121" name="Google Shape;121;p18"/>
           <p:cNvPicPr preferRelativeResize="0"/>
           <p:nvPr/>
         </p:nvPicPr>
@@ -9422,7 +9450,7 @@
       </p:pic>
       <p:pic>
         <p:nvPicPr>
-          <p:cNvPr id="121" name="Google Shape;121;p18"/>
+          <p:cNvPr id="122" name="Google Shape;122;p18"/>
           <p:cNvPicPr preferRelativeResize="0"/>
           <p:nvPr/>
         </p:nvPicPr>
@@ -9468,7 +9496,7 @@
     </p:bg>
     <p:spTree>
       <p:nvGrpSpPr>
-        <p:cNvPr id="125" name="Shape 125"/>
+        <p:cNvPr id="126" name="Shape 126"/>
         <p:cNvGrpSpPr/>
         <p:nvPr/>
       </p:nvGrpSpPr>
@@ -9482,7 +9510,7 @@
       </p:grpSpPr>
       <p:pic>
         <p:nvPicPr>
-          <p:cNvPr id="126" name="Google Shape;126;p19"/>
+          <p:cNvPr id="127" name="Google Shape;127;p19"/>
           <p:cNvPicPr preferRelativeResize="0"/>
           <p:nvPr/>
         </p:nvPicPr>
@@ -9517,7 +9545,7 @@
       </p:pic>
       <p:sp>
         <p:nvSpPr>
-          <p:cNvPr id="127" name="Google Shape;127;p19"/>
+          <p:cNvPr id="128" name="Google Shape;128;p19"/>
           <p:cNvSpPr txBox="1"/>
           <p:nvPr/>
         </p:nvSpPr>
@@ -9569,7 +9597,7 @@
       </p:sp>
       <p:pic>
         <p:nvPicPr>
-          <p:cNvPr id="128" name="Google Shape;128;p19"/>
+          <p:cNvPr id="129" name="Google Shape;129;p19"/>
           <p:cNvPicPr preferRelativeResize="0"/>
           <p:nvPr/>
         </p:nvPicPr>
@@ -9597,7 +9625,7 @@
       </p:pic>
       <p:pic>
         <p:nvPicPr>
-          <p:cNvPr id="129" name="Google Shape;129;p19"/>
+          <p:cNvPr id="130" name="Google Shape;130;p19"/>
           <p:cNvPicPr preferRelativeResize="0"/>
           <p:nvPr/>
         </p:nvPicPr>
@@ -9625,7 +9653,7 @@
       </p:pic>
       <p:sp>
         <p:nvSpPr>
-          <p:cNvPr id="130" name="Google Shape;130;p19"/>
+          <p:cNvPr id="131" name="Google Shape;131;p19"/>
           <p:cNvSpPr txBox="1"/>
           <p:nvPr/>
         </p:nvSpPr>
@@ -9667,7 +9695,7 @@
       </p:sp>
       <p:sp>
         <p:nvSpPr>
-          <p:cNvPr id="131" name="Google Shape;131;p19"/>
+          <p:cNvPr id="132" name="Google Shape;132;p19"/>
           <p:cNvSpPr txBox="1"/>
           <p:nvPr/>
         </p:nvSpPr>
@@ -9717,7 +9745,7 @@
       </p:sp>
       <p:pic>
         <p:nvPicPr>
-          <p:cNvPr id="132" name="Google Shape;132;p19"/>
+          <p:cNvPr id="133" name="Google Shape;133;p19"/>
           <p:cNvPicPr preferRelativeResize="0"/>
           <p:nvPr/>
         </p:nvPicPr>
@@ -9745,7 +9773,7 @@
       </p:pic>
       <p:pic>
         <p:nvPicPr>
-          <p:cNvPr id="133" name="Google Shape;133;p19"/>
+          <p:cNvPr id="134" name="Google Shape;134;p19"/>
           <p:cNvPicPr preferRelativeResize="0"/>
           <p:nvPr/>
         </p:nvPicPr>
@@ -9791,7 +9819,7 @@
     </p:bg>
     <p:spTree>
       <p:nvGrpSpPr>
-        <p:cNvPr id="137" name="Shape 137"/>
+        <p:cNvPr id="138" name="Shape 138"/>
         <p:cNvGrpSpPr/>
         <p:nvPr/>
       </p:nvGrpSpPr>
@@ -9805,7 +9833,7 @@
       </p:grpSpPr>
       <p:sp>
         <p:nvSpPr>
-          <p:cNvPr id="138" name="Google Shape;138;p20"/>
+          <p:cNvPr id="139" name="Google Shape;139;p20"/>
           <p:cNvSpPr txBox="1"/>
           <p:nvPr>
             <p:ph idx="1" type="body"/>
@@ -9967,7 +9995,7 @@
       </p:sp>
       <p:pic>
         <p:nvPicPr>
-          <p:cNvPr id="139" name="Google Shape;139;p20"/>
+          <p:cNvPr id="140" name="Google Shape;140;p20"/>
           <p:cNvPicPr preferRelativeResize="0"/>
           <p:nvPr/>
         </p:nvPicPr>
@@ -10002,7 +10030,7 @@
       </p:pic>
       <p:sp>
         <p:nvSpPr>
-          <p:cNvPr id="140" name="Google Shape;140;p20"/>
+          <p:cNvPr id="141" name="Google Shape;141;p20"/>
           <p:cNvSpPr txBox="1"/>
           <p:nvPr/>
         </p:nvSpPr>
@@ -10054,7 +10082,7 @@
       </p:sp>
       <p:pic>
         <p:nvPicPr>
-          <p:cNvPr id="141" name="Google Shape;141;p20"/>
+          <p:cNvPr id="142" name="Google Shape;142;p20"/>
           <p:cNvPicPr preferRelativeResize="0"/>
           <p:nvPr/>
         </p:nvPicPr>
@@ -10082,7 +10110,7 @@
       </p:pic>
       <p:sp>
         <p:nvSpPr>
-          <p:cNvPr id="142" name="Google Shape;142;p20"/>
+          <p:cNvPr id="143" name="Google Shape;143;p20"/>
           <p:cNvSpPr txBox="1"/>
           <p:nvPr/>
         </p:nvSpPr>
@@ -10133,7 +10161,7 @@
       </p:sp>
       <p:pic>
         <p:nvPicPr>
-          <p:cNvPr id="143" name="Google Shape;143;p20"/>
+          <p:cNvPr id="144" name="Google Shape;144;p20"/>
           <p:cNvPicPr preferRelativeResize="0"/>
           <p:nvPr/>
         </p:nvPicPr>
@@ -10179,7 +10207,7 @@
     </p:bg>
     <p:spTree>
       <p:nvGrpSpPr>
-        <p:cNvPr id="147" name="Shape 147"/>
+        <p:cNvPr id="148" name="Shape 148"/>
         <p:cNvGrpSpPr/>
         <p:nvPr/>
       </p:nvGrpSpPr>
@@ -10193,7 +10221,7 @@
       </p:grpSpPr>
       <p:sp>
         <p:nvSpPr>
-          <p:cNvPr id="148" name="Google Shape;148;p21"/>
+          <p:cNvPr id="149" name="Google Shape;149;p21"/>
           <p:cNvSpPr txBox="1"/>
           <p:nvPr>
             <p:ph idx="1" type="body"/>
@@ -10405,7 +10433,7 @@
       </p:sp>
       <p:pic>
         <p:nvPicPr>
-          <p:cNvPr id="149" name="Google Shape;149;p21"/>
+          <p:cNvPr id="150" name="Google Shape;150;p21"/>
           <p:cNvPicPr preferRelativeResize="0"/>
           <p:nvPr/>
         </p:nvPicPr>
@@ -10440,7 +10468,7 @@
       </p:pic>
       <p:sp>
         <p:nvSpPr>
-          <p:cNvPr id="150" name="Google Shape;150;p21"/>
+          <p:cNvPr id="151" name="Google Shape;151;p21"/>
           <p:cNvSpPr txBox="1"/>
           <p:nvPr/>
         </p:nvSpPr>
@@ -10492,34 +10520,6 @@
       </p:sp>
       <p:pic>
         <p:nvPicPr>
-          <p:cNvPr id="151" name="Google Shape;151;p21"/>
-          <p:cNvPicPr preferRelativeResize="0"/>
-          <p:nvPr/>
-        </p:nvPicPr>
-        <p:blipFill>
-          <a:blip r:embed="rId6">
-            <a:alphaModFix/>
-          </a:blip>
-          <a:stretch>
-            <a:fillRect/>
-          </a:stretch>
-        </p:blipFill>
-        <p:spPr>
-          <a:xfrm>
-            <a:off x="2417725" y="2179974"/>
-            <a:ext cx="230226" cy="221025"/>
-          </a:xfrm>
-          <a:prstGeom prst="rect">
-            <a:avLst/>
-          </a:prstGeom>
-          <a:noFill/>
-          <a:ln>
-            <a:noFill/>
-          </a:ln>
-        </p:spPr>
-      </p:pic>
-      <p:pic>
-        <p:nvPicPr>
           <p:cNvPr id="152" name="Google Shape;152;p21"/>
           <p:cNvPicPr preferRelativeResize="0"/>
           <p:nvPr/>
@@ -10534,7 +10534,7 @@
         </p:blipFill>
         <p:spPr>
           <a:xfrm>
-            <a:off x="2097950" y="1958949"/>
+            <a:off x="2417725" y="2179974"/>
             <a:ext cx="230226" cy="221025"/>
           </a:xfrm>
           <a:prstGeom prst="rect">
@@ -10549,6 +10549,34 @@
       <p:pic>
         <p:nvPicPr>
           <p:cNvPr id="153" name="Google Shape;153;p21"/>
+          <p:cNvPicPr preferRelativeResize="0"/>
+          <p:nvPr/>
+        </p:nvPicPr>
+        <p:blipFill>
+          <a:blip r:embed="rId6">
+            <a:alphaModFix/>
+          </a:blip>
+          <a:stretch>
+            <a:fillRect/>
+          </a:stretch>
+        </p:blipFill>
+        <p:spPr>
+          <a:xfrm>
+            <a:off x="2097950" y="1958949"/>
+            <a:ext cx="230226" cy="221025"/>
+          </a:xfrm>
+          <a:prstGeom prst="rect">
+            <a:avLst/>
+          </a:prstGeom>
+          <a:noFill/>
+          <a:ln>
+            <a:noFill/>
+          </a:ln>
+        </p:spPr>
+      </p:pic>
+      <p:pic>
+        <p:nvPicPr>
+          <p:cNvPr id="154" name="Google Shape;154;p21"/>
           <p:cNvPicPr preferRelativeResize="0"/>
           <p:nvPr/>
         </p:nvPicPr>
